--- a/The Power of Electric Snakes! An Introduction to PySpark for Big Data Analytics/The Power of Electric Snakes_An Introduction to PySpark.pptx
+++ b/The Power of Electric Snakes! An Introduction to PySpark for Big Data Analytics/The Power of Electric Snakes_An Introduction to PySpark.pptx
@@ -8,11 +8,12 @@
     <p:sldId id="256" r:id="rId2"/>
     <p:sldId id="259" r:id="rId3"/>
     <p:sldId id="258" r:id="rId4"/>
-    <p:sldId id="313" r:id="rId5"/>
-    <p:sldId id="368" r:id="rId6"/>
-    <p:sldId id="440" r:id="rId7"/>
-    <p:sldId id="441" r:id="rId8"/>
-    <p:sldId id="312" r:id="rId9"/>
+    <p:sldId id="442" r:id="rId5"/>
+    <p:sldId id="313" r:id="rId6"/>
+    <p:sldId id="368" r:id="rId7"/>
+    <p:sldId id="440" r:id="rId8"/>
+    <p:sldId id="441" r:id="rId9"/>
+    <p:sldId id="312" r:id="rId10"/>
   </p:sldIdLst>
   <p:sldSz cx="12192000" cy="6858000"/>
   <p:notesSz cx="6858000" cy="9144000"/>
@@ -119,29 +120,90 @@
 </p:presentation>
 </file>
 
+<file path=ppt/revisionInfo.xml><?xml version="1.0" encoding="utf-8"?>
+<p1510:revInfo xmlns:a="http://schemas.openxmlformats.org/drawingml/2006/main" xmlns:r="http://schemas.openxmlformats.org/officeDocument/2006/relationships" xmlns:p1510="http://schemas.microsoft.com/office/powerpoint/2015/10/main">
+  <p1510:revLst>
+    <p1510:client id="{CB9A7AC3-CF95-498B-B41D-7A93F4ACCCDE}" v="11" dt="2019-09-16T19:50:01.374"/>
+  </p1510:revLst>
+</p1510:revInfo>
+</file>
+
 <file path=ppt/changesInfos/changesInfo1.xml><?xml version="1.0" encoding="utf-8"?>
 <pc:chgInfo xmlns:a="http://schemas.openxmlformats.org/drawingml/2006/main" xmlns:r="http://schemas.openxmlformats.org/officeDocument/2006/relationships" xmlns:ac="http://schemas.microsoft.com/office/drawing/2013/main/command" xmlns:pc="http://schemas.microsoft.com/office/powerpoint/2013/main/command">
   <pc:docChgLst>
     <pc:chgData name="Brad Llewellyn" userId="9b655c4d-73ce-42f5-a3a5-db032ae632c0" providerId="ADAL" clId="{CB9A7AC3-CF95-498B-B41D-7A93F4ACCCDE}"/>
-    <pc:docChg chg="modSld">
-      <pc:chgData name="Brad Llewellyn" userId="9b655c4d-73ce-42f5-a3a5-db032ae632c0" providerId="ADAL" clId="{CB9A7AC3-CF95-498B-B41D-7A93F4ACCCDE}" dt="2019-05-16T11:58:17.741" v="0" actId="20577"/>
+    <pc:docChg chg="addSld modSld">
+      <pc:chgData name="Brad Llewellyn" userId="9b655c4d-73ce-42f5-a3a5-db032ae632c0" providerId="ADAL" clId="{CB9A7AC3-CF95-498B-B41D-7A93F4ACCCDE}" dt="2019-09-16T19:50:01.372" v="11"/>
       <pc:docMkLst>
         <pc:docMk/>
       </pc:docMkLst>
       <pc:sldChg chg="modSp">
-        <pc:chgData name="Brad Llewellyn" userId="9b655c4d-73ce-42f5-a3a5-db032ae632c0" providerId="ADAL" clId="{CB9A7AC3-CF95-498B-B41D-7A93F4ACCCDE}" dt="2019-05-16T11:58:17.741" v="0" actId="20577"/>
+        <pc:chgData name="Brad Llewellyn" userId="9b655c4d-73ce-42f5-a3a5-db032ae632c0" providerId="ADAL" clId="{CB9A7AC3-CF95-498B-B41D-7A93F4ACCCDE}" dt="2019-09-16T19:39:12.033" v="1"/>
         <pc:sldMkLst>
           <pc:docMk/>
           <pc:sldMk cId="3471943911" sldId="258"/>
         </pc:sldMkLst>
         <pc:spChg chg="mod">
-          <ac:chgData name="Brad Llewellyn" userId="9b655c4d-73ce-42f5-a3a5-db032ae632c0" providerId="ADAL" clId="{CB9A7AC3-CF95-498B-B41D-7A93F4ACCCDE}" dt="2019-05-16T11:58:17.741" v="0" actId="20577"/>
+          <ac:chgData name="Brad Llewellyn" userId="9b655c4d-73ce-42f5-a3a5-db032ae632c0" providerId="ADAL" clId="{CB9A7AC3-CF95-498B-B41D-7A93F4ACCCDE}" dt="2019-09-16T19:39:12.033" v="1"/>
           <ac:spMkLst>
             <pc:docMk/>
             <pc:sldMk cId="3471943911" sldId="258"/>
             <ac:spMk id="7" creationId="{4678B07D-554A-4174-B32D-E7384C09FF50}"/>
           </ac:spMkLst>
         </pc:spChg>
+      </pc:sldChg>
+      <pc:sldChg chg="addSp delSp modSp add">
+        <pc:chgData name="Brad Llewellyn" userId="9b655c4d-73ce-42f5-a3a5-db032ae632c0" providerId="ADAL" clId="{CB9A7AC3-CF95-498B-B41D-7A93F4ACCCDE}" dt="2019-09-16T19:46:04.071" v="10"/>
+        <pc:sldMkLst>
+          <pc:docMk/>
+          <pc:sldMk cId="1793652726" sldId="282"/>
+        </pc:sldMkLst>
+        <pc:picChg chg="add">
+          <ac:chgData name="Brad Llewellyn" userId="9b655c4d-73ce-42f5-a3a5-db032ae632c0" providerId="ADAL" clId="{CB9A7AC3-CF95-498B-B41D-7A93F4ACCCDE}" dt="2019-09-16T19:45:21.153" v="6"/>
+          <ac:picMkLst>
+            <pc:docMk/>
+            <pc:sldMk cId="1793652726" sldId="282"/>
+            <ac:picMk id="3" creationId="{D8FADD89-A49A-47FE-AF65-779259635D6B}"/>
+          </ac:picMkLst>
+        </pc:picChg>
+        <pc:picChg chg="add">
+          <ac:chgData name="Brad Llewellyn" userId="9b655c4d-73ce-42f5-a3a5-db032ae632c0" providerId="ADAL" clId="{CB9A7AC3-CF95-498B-B41D-7A93F4ACCCDE}" dt="2019-09-16T19:46:04.071" v="10"/>
+          <ac:picMkLst>
+            <pc:docMk/>
+            <pc:sldMk cId="1793652726" sldId="282"/>
+            <ac:picMk id="5" creationId="{46A8E9D6-4A7F-4CA3-A68F-FA548A579E4E}"/>
+          </ac:picMkLst>
+        </pc:picChg>
+        <pc:picChg chg="del mod">
+          <ac:chgData name="Brad Llewellyn" userId="9b655c4d-73ce-42f5-a3a5-db032ae632c0" providerId="ADAL" clId="{CB9A7AC3-CF95-498B-B41D-7A93F4ACCCDE}" dt="2019-09-16T19:45:22.853" v="7" actId="478"/>
+          <ac:picMkLst>
+            <pc:docMk/>
+            <pc:sldMk cId="1793652726" sldId="282"/>
+            <ac:picMk id="1028" creationId="{B23759D8-9261-455B-8B37-1CCDC96C678A}"/>
+          </ac:picMkLst>
+        </pc:picChg>
+        <pc:picChg chg="del mod">
+          <ac:chgData name="Brad Llewellyn" userId="9b655c4d-73ce-42f5-a3a5-db032ae632c0" providerId="ADAL" clId="{CB9A7AC3-CF95-498B-B41D-7A93F4ACCCDE}" dt="2019-09-16T19:46:03.801" v="9" actId="478"/>
+          <ac:picMkLst>
+            <pc:docMk/>
+            <pc:sldMk cId="1793652726" sldId="282"/>
+            <ac:picMk id="1030" creationId="{1222C256-7967-40F5-B6A0-78BA9823E129}"/>
+          </ac:picMkLst>
+        </pc:picChg>
+      </pc:sldChg>
+      <pc:sldChg chg="add">
+        <pc:chgData name="Brad Llewellyn" userId="9b655c4d-73ce-42f5-a3a5-db032ae632c0" providerId="ADAL" clId="{CB9A7AC3-CF95-498B-B41D-7A93F4ACCCDE}" dt="2019-09-16T19:50:01.372" v="11"/>
+        <pc:sldMkLst>
+          <pc:docMk/>
+          <pc:sldMk cId="188991140" sldId="442"/>
+        </pc:sldMkLst>
+      </pc:sldChg>
+      <pc:sldChg chg="add">
+        <pc:chgData name="Brad Llewellyn" userId="9b655c4d-73ce-42f5-a3a5-db032ae632c0" providerId="ADAL" clId="{CB9A7AC3-CF95-498B-B41D-7A93F4ACCCDE}" dt="2019-09-16T19:42:40.512" v="2"/>
+        <pc:sldMkLst>
+          <pc:docMk/>
+          <pc:sldMk cId="1664392484" sldId="442"/>
+        </pc:sldMkLst>
       </pc:sldChg>
     </pc:docChg>
   </pc:docChgLst>
@@ -316,7 +378,7 @@
           <a:p>
             <a:fld id="{990CD28C-0B96-4EA7-B92F-F3967D1C3AFA}" type="datetimeFigureOut">
               <a:rPr lang="en-US" smtClean="0"/>
-              <a:t>5/16/2019</a:t>
+              <a:t>9/16/2019</a:t>
             </a:fld>
             <a:endParaRPr lang="en-US"/>
           </a:p>
@@ -544,7 +606,7 @@
           <a:p>
             <a:fld id="{990CD28C-0B96-4EA7-B92F-F3967D1C3AFA}" type="datetimeFigureOut">
               <a:rPr lang="en-US" smtClean="0"/>
-              <a:t>5/16/2019</a:t>
+              <a:t>9/16/2019</a:t>
             </a:fld>
             <a:endParaRPr lang="en-US"/>
           </a:p>
@@ -724,7 +786,7 @@
           <a:p>
             <a:fld id="{990CD28C-0B96-4EA7-B92F-F3967D1C3AFA}" type="datetimeFigureOut">
               <a:rPr lang="en-US" smtClean="0"/>
-              <a:t>5/16/2019</a:t>
+              <a:t>9/16/2019</a:t>
             </a:fld>
             <a:endParaRPr lang="en-US"/>
           </a:p>
@@ -894,7 +956,7 @@
           <a:p>
             <a:fld id="{990CD28C-0B96-4EA7-B92F-F3967D1C3AFA}" type="datetimeFigureOut">
               <a:rPr lang="en-US" smtClean="0"/>
-              <a:t>5/16/2019</a:t>
+              <a:t>9/16/2019</a:t>
             </a:fld>
             <a:endParaRPr lang="en-US"/>
           </a:p>
@@ -1148,7 +1210,7 @@
           <a:p>
             <a:fld id="{990CD28C-0B96-4EA7-B92F-F3967D1C3AFA}" type="datetimeFigureOut">
               <a:rPr lang="en-US" smtClean="0"/>
-              <a:t>5/16/2019</a:t>
+              <a:t>9/16/2019</a:t>
             </a:fld>
             <a:endParaRPr lang="en-US"/>
           </a:p>
@@ -1474,7 +1536,7 @@
           <a:p>
             <a:fld id="{990CD28C-0B96-4EA7-B92F-F3967D1C3AFA}" type="datetimeFigureOut">
               <a:rPr lang="en-US" smtClean="0"/>
-              <a:t>5/16/2019</a:t>
+              <a:t>9/16/2019</a:t>
             </a:fld>
             <a:endParaRPr lang="en-US"/>
           </a:p>
@@ -1925,7 +1987,7 @@
           <a:p>
             <a:fld id="{990CD28C-0B96-4EA7-B92F-F3967D1C3AFA}" type="datetimeFigureOut">
               <a:rPr lang="en-US" smtClean="0"/>
-              <a:t>5/16/2019</a:t>
+              <a:t>9/16/2019</a:t>
             </a:fld>
             <a:endParaRPr lang="en-US"/>
           </a:p>
@@ -2043,7 +2105,7 @@
           <a:p>
             <a:fld id="{990CD28C-0B96-4EA7-B92F-F3967D1C3AFA}" type="datetimeFigureOut">
               <a:rPr lang="en-US" smtClean="0"/>
-              <a:t>5/16/2019</a:t>
+              <a:t>9/16/2019</a:t>
             </a:fld>
             <a:endParaRPr lang="en-US"/>
           </a:p>
@@ -2138,7 +2200,7 @@
           <a:p>
             <a:fld id="{990CD28C-0B96-4EA7-B92F-F3967D1C3AFA}" type="datetimeFigureOut">
               <a:rPr lang="en-US" smtClean="0"/>
-              <a:t>5/16/2019</a:t>
+              <a:t>9/16/2019</a:t>
             </a:fld>
             <a:endParaRPr lang="en-US"/>
           </a:p>
@@ -2425,7 +2487,7 @@
           <a:p>
             <a:fld id="{990CD28C-0B96-4EA7-B92F-F3967D1C3AFA}" type="datetimeFigureOut">
               <a:rPr lang="en-US" smtClean="0"/>
-              <a:t>5/16/2019</a:t>
+              <a:t>9/16/2019</a:t>
             </a:fld>
             <a:endParaRPr lang="en-US"/>
           </a:p>
@@ -2747,7 +2809,7 @@
           <a:p>
             <a:fld id="{990CD28C-0B96-4EA7-B92F-F3967D1C3AFA}" type="datetimeFigureOut">
               <a:rPr lang="en-US" smtClean="0"/>
-              <a:t>5/16/2019</a:t>
+              <a:t>9/16/2019</a:t>
             </a:fld>
             <a:endParaRPr lang="en-US"/>
           </a:p>
@@ -3001,7 +3063,7 @@
           <a:p>
             <a:fld id="{990CD28C-0B96-4EA7-B92F-F3967D1C3AFA}" type="datetimeFigureOut">
               <a:rPr lang="en-US" smtClean="0"/>
-              <a:t>5/16/2019</a:t>
+              <a:t>9/16/2019</a:t>
             </a:fld>
             <a:endParaRPr lang="en-US"/>
           </a:p>
@@ -3566,7 +3628,7 @@
           <a:p>
             <a:r>
               <a:rPr lang="en-US" dirty="0"/>
-              <a:t>May 13</a:t>
+              <a:t>October 19</a:t>
             </a:r>
             <a:r>
               <a:rPr lang="en-US" baseline="30000" dirty="0"/>
@@ -4032,10 +4094,10 @@
         </p:nvGrpSpPr>
         <p:grpSpPr>
           <a:xfrm>
-            <a:off x="5001798" y="318420"/>
-            <a:ext cx="6126481" cy="6221159"/>
-            <a:chOff x="6190518" y="46658"/>
-            <a:chExt cx="6221731" cy="6221159"/>
+            <a:off x="5007660" y="169950"/>
+            <a:ext cx="6126481" cy="6518100"/>
+            <a:chOff x="6190518" y="-250283"/>
+            <a:chExt cx="6221731" cy="6518100"/>
           </a:xfrm>
         </p:grpSpPr>
         <p:pic>
@@ -4069,7 +4131,7 @@
           </p:blipFill>
           <p:spPr>
             <a:xfrm>
-              <a:off x="6190519" y="1119707"/>
+              <a:off x="6190518" y="759680"/>
               <a:ext cx="914400" cy="914400"/>
             </a:xfrm>
             <a:prstGeom prst="rect">
@@ -4210,8 +4272,8 @@
           </p:nvSpPr>
           <p:spPr>
             <a:xfrm>
-              <a:off x="7104919" y="46658"/>
-              <a:ext cx="5303520" cy="2637386"/>
+              <a:off x="7104919" y="-250283"/>
+              <a:ext cx="5303520" cy="2934327"/>
             </a:xfrm>
             <a:prstGeom prst="rect">
               <a:avLst/>
@@ -4219,7 +4281,7 @@
           </p:spPr>
           <p:txBody>
             <a:bodyPr anchor="ctr">
-              <a:normAutofit/>
+              <a:noAutofit/>
             </a:bodyPr>
             <a:lstStyle>
               <a:lvl1pPr marL="228600" indent="-228600" algn="l" defTabSz="914400" rtl="0" eaLnBrk="1" latinLnBrk="0" hangingPunct="1">
@@ -4486,12 +4548,8 @@
                 <a:buNone/>
               </a:pPr>
               <a:r>
-                <a:rPr lang="en-US" sz="1500"/>
-                <a:t>MCSA</a:t>
-              </a:r>
-              <a:r>
                 <a:rPr lang="en-US" sz="1500" dirty="0"/>
-                <a:t>: SQL 2016 Database Development</a:t>
+                <a:t>MCSA: SQL 2016 Database Development</a:t>
               </a:r>
             </a:p>
             <a:p>
@@ -4516,6 +4574,18 @@
               <a:r>
                 <a:rPr lang="en-US" sz="1500" dirty="0"/>
                 <a:t>MCSA: Cloud Platform</a:t>
+              </a:r>
+            </a:p>
+            <a:p>
+              <a:pPr marL="0" indent="0">
+                <a:spcBef>
+                  <a:spcPts val="400"/>
+                </a:spcBef>
+                <a:buNone/>
+              </a:pPr>
+              <a:r>
+                <a:rPr lang="en-US" sz="1500" dirty="0"/>
+                <a:t>MC: Azure Data Engineer Associate</a:t>
               </a:r>
             </a:p>
             <a:p>
@@ -5585,10 +5655,10 @@
       </p:grpSpPr>
       <p:sp>
         <p:nvSpPr>
-          <p:cNvPr id="2" name="Title 1">
+          <p:cNvPr id="2" name="Slide Number Placeholder 1">
             <a:extLst>
               <a:ext uri="{FF2B5EF4-FFF2-40B4-BE49-F238E27FC236}">
-                <a16:creationId xmlns:a16="http://schemas.microsoft.com/office/drawing/2014/main" id="{A4B54690-A6C7-46B0-8B06-ADAE2B218036}"/>
+                <a16:creationId xmlns:a16="http://schemas.microsoft.com/office/drawing/2014/main" id="{B9ABA0BB-A1B9-4B86-9E63-0580397CACA9}"/>
               </a:ext>
             </a:extLst>
           </p:cNvPr>
@@ -5596,107 +5666,196 @@
             <a:spLocks noGrp="1"/>
           </p:cNvSpPr>
           <p:nvPr>
-            <p:ph type="title"/>
-          </p:nvPr>
-        </p:nvSpPr>
-        <p:spPr>
-          <a:xfrm>
-            <a:off x="1261872" y="0"/>
-            <a:ext cx="10041668" cy="1325562"/>
-          </a:xfrm>
-        </p:spPr>
-        <p:txBody>
-          <a:bodyPr/>
+            <p:ph type="sldNum" sz="quarter" idx="12"/>
+          </p:nvPr>
+        </p:nvSpPr>
+        <p:spPr/>
+        <p:txBody>
+          <a:bodyPr>
+            <a:normAutofit lnSpcReduction="10000"/>
+          </a:bodyPr>
           <a:lstStyle/>
           <a:p>
-            <a:r>
-              <a:rPr lang="en-US" dirty="0"/>
-              <a:t>Agenda</a:t>
-            </a:r>
-          </a:p>
-        </p:txBody>
-      </p:sp>
-      <p:sp>
-        <p:nvSpPr>
-          <p:cNvPr id="3" name="Content Placeholder 2">
+            <a:fld id="{4D851150-C2CA-4955-8565-35F231FFB3CA}" type="slidenum">
+              <a:rPr lang="en-US" smtClean="0"/>
+              <a:t>4</a:t>
+            </a:fld>
+            <a:endParaRPr lang="en-US"/>
+          </a:p>
+        </p:txBody>
+      </p:sp>
+      <p:sp>
+        <p:nvSpPr>
+          <p:cNvPr id="4" name="Title 1">
             <a:extLst>
               <a:ext uri="{FF2B5EF4-FFF2-40B4-BE49-F238E27FC236}">
-                <a16:creationId xmlns:a16="http://schemas.microsoft.com/office/drawing/2014/main" id="{BB6D4177-D8AA-4925-AEBB-10133200C7D9}"/>
+                <a16:creationId xmlns:a16="http://schemas.microsoft.com/office/drawing/2014/main" id="{6998ED11-1172-4C6E-9946-9F0FA743EDC2}"/>
               </a:ext>
             </a:extLst>
           </p:cNvPr>
-          <p:cNvSpPr>
-            <a:spLocks noGrp="1"/>
-          </p:cNvSpPr>
-          <p:nvPr>
-            <p:ph idx="1"/>
-          </p:nvPr>
+          <p:cNvSpPr txBox="1">
+            <a:spLocks/>
+          </p:cNvSpPr>
+          <p:nvPr/>
         </p:nvSpPr>
         <p:spPr>
           <a:xfrm>
-            <a:off x="1261872" y="1325562"/>
-            <a:ext cx="8851392" cy="5532438"/>
+            <a:off x="0" y="5324832"/>
+            <a:ext cx="11292840" cy="1533167"/>
           </a:xfrm>
+          <a:prstGeom prst="rect">
+            <a:avLst/>
+          </a:prstGeom>
         </p:spPr>
         <p:txBody>
-          <a:bodyPr anchor="ctr">
-            <a:normAutofit/>
+          <a:bodyPr vert="horz" lIns="91440" tIns="45720" rIns="91440" bIns="45720" rtlCol="0" anchor="ctr">
+            <a:noAutofit/>
           </a:bodyPr>
-          <a:lstStyle/>
-          <a:p>
-            <a:r>
-              <a:rPr lang="en-US" sz="2800" dirty="0"/>
-              <a:t>What is </a:t>
-            </a:r>
-            <a:r>
-              <a:rPr lang="en-US" sz="2800" dirty="0" err="1"/>
-              <a:t>PySpark</a:t>
-            </a:r>
-            <a:r>
-              <a:rPr lang="en-US" sz="2800" dirty="0"/>
-              <a:t>?</a:t>
-            </a:r>
-          </a:p>
-          <a:p>
-            <a:endParaRPr lang="en-US" sz="2800" dirty="0"/>
-          </a:p>
-          <a:p>
-            <a:r>
-              <a:rPr lang="en-US" sz="2800" dirty="0"/>
-              <a:t>Show me </a:t>
-            </a:r>
-            <a:r>
-              <a:rPr lang="en-US" sz="2800" dirty="0" err="1"/>
-              <a:t>PySpark</a:t>
-            </a:r>
-            <a:r>
-              <a:rPr lang="en-US" sz="2800" dirty="0"/>
-              <a:t>!</a:t>
-            </a:r>
-          </a:p>
-          <a:p>
-            <a:endParaRPr lang="en-US" sz="2800" dirty="0"/>
-          </a:p>
-          <a:p>
-            <a:r>
-              <a:rPr lang="en-US" sz="2800" dirty="0"/>
-              <a:t>Let’s go use </a:t>
-            </a:r>
-            <a:r>
-              <a:rPr lang="en-US" sz="2800" dirty="0" err="1"/>
-              <a:t>PySpark</a:t>
-            </a:r>
-            <a:r>
-              <a:rPr lang="en-US" sz="2800" dirty="0"/>
-              <a:t>!!!</a:t>
-            </a:r>
-          </a:p>
-        </p:txBody>
-      </p:sp>
+          <a:lstStyle>
+            <a:lvl1pPr algn="ctr" defTabSz="914400" rtl="0" eaLnBrk="1" latinLnBrk="0" hangingPunct="1">
+              <a:lnSpc>
+                <a:spcPct val="90000"/>
+              </a:lnSpc>
+              <a:spcBef>
+                <a:spcPct val="0"/>
+              </a:spcBef>
+              <a:buNone/>
+              <a:defRPr sz="6000" b="1" kern="1200">
+                <a:solidFill>
+                  <a:srgbClr val="993300"/>
+                </a:solidFill>
+                <a:latin typeface="+mj-lt"/>
+                <a:ea typeface="+mj-ea"/>
+                <a:cs typeface="+mj-cs"/>
+              </a:defRPr>
+            </a:lvl1pPr>
+          </a:lstStyle>
+          <a:p>
+            <a:r>
+              <a:rPr lang="en-US" b="0" dirty="0">
+                <a:solidFill>
+                  <a:srgbClr val="0645AD"/>
+                </a:solidFill>
+                <a:hlinkClick r:id="rId2">
+                  <a:extLst>
+                    <a:ext uri="{A12FA001-AC4F-418D-AE19-62706E023703}">
+                      <ahyp:hlinkClr xmlns:ahyp="http://schemas.microsoft.com/office/drawing/2018/hyperlinkcolor" val="tx"/>
+                    </a:ext>
+                  </a:extLst>
+                </a:hlinkClick>
+              </a:rPr>
+              <a:t>https://www.pass.org</a:t>
+            </a:r>
+            <a:endParaRPr lang="en-US" b="0" dirty="0">
+              <a:solidFill>
+                <a:srgbClr val="0645AD"/>
+              </a:solidFill>
+            </a:endParaRPr>
+          </a:p>
+        </p:txBody>
+      </p:sp>
+      <p:pic>
+        <p:nvPicPr>
+          <p:cNvPr id="6" name="Picture 2" descr="Image result for professional association of sql server">
+            <a:extLst>
+              <a:ext uri="{FF2B5EF4-FFF2-40B4-BE49-F238E27FC236}">
+                <a16:creationId xmlns:a16="http://schemas.microsoft.com/office/drawing/2014/main" id="{41C95300-FBB2-495B-8F1D-787C60E7F15D}"/>
+              </a:ext>
+            </a:extLst>
+          </p:cNvPr>
+          <p:cNvPicPr>
+            <a:picLocks noChangeAspect="1" noChangeArrowheads="1"/>
+          </p:cNvPicPr>
+          <p:nvPr/>
+        </p:nvPicPr>
+        <p:blipFill>
+          <a:blip r:embed="rId3">
+            <a:extLst>
+              <a:ext uri="{28A0092B-C50C-407E-A947-70E740481C1C}">
+                <a14:useLocalDpi xmlns:a14="http://schemas.microsoft.com/office/drawing/2010/main" val="0"/>
+              </a:ext>
+            </a:extLst>
+          </a:blip>
+          <a:srcRect/>
+          <a:stretch>
+            <a:fillRect/>
+          </a:stretch>
+        </p:blipFill>
+        <p:spPr bwMode="auto">
+          <a:xfrm>
+            <a:off x="245305" y="1171172"/>
+            <a:ext cx="3810000" cy="3810000"/>
+          </a:xfrm>
+          <a:prstGeom prst="rect">
+            <a:avLst/>
+          </a:prstGeom>
+          <a:noFill/>
+        </p:spPr>
+      </p:pic>
+      <p:pic>
+        <p:nvPicPr>
+          <p:cNvPr id="3" name="Picture 2">
+            <a:extLst>
+              <a:ext uri="{FF2B5EF4-FFF2-40B4-BE49-F238E27FC236}">
+                <a16:creationId xmlns:a16="http://schemas.microsoft.com/office/drawing/2014/main" id="{D8FADD89-A49A-47FE-AF65-779259635D6B}"/>
+              </a:ext>
+            </a:extLst>
+          </p:cNvPr>
+          <p:cNvPicPr>
+            <a:picLocks noChangeAspect="1"/>
+          </p:cNvPicPr>
+          <p:nvPr/>
+        </p:nvPicPr>
+        <p:blipFill>
+          <a:blip r:embed="rId4"/>
+          <a:stretch>
+            <a:fillRect/>
+          </a:stretch>
+        </p:blipFill>
+        <p:spPr>
+          <a:xfrm>
+            <a:off x="4580405" y="1130560"/>
+            <a:ext cx="6313741" cy="1502738"/>
+          </a:xfrm>
+          <a:prstGeom prst="rect">
+            <a:avLst/>
+          </a:prstGeom>
+        </p:spPr>
+      </p:pic>
+      <p:pic>
+        <p:nvPicPr>
+          <p:cNvPr id="5" name="Picture 4">
+            <a:extLst>
+              <a:ext uri="{FF2B5EF4-FFF2-40B4-BE49-F238E27FC236}">
+                <a16:creationId xmlns:a16="http://schemas.microsoft.com/office/drawing/2014/main" id="{46A8E9D6-4A7F-4CA3-A68F-FA548A579E4E}"/>
+              </a:ext>
+            </a:extLst>
+          </p:cNvPr>
+          <p:cNvPicPr>
+            <a:picLocks noChangeAspect="1"/>
+          </p:cNvPicPr>
+          <p:nvPr/>
+        </p:nvPicPr>
+        <p:blipFill>
+          <a:blip r:embed="rId5"/>
+          <a:stretch>
+            <a:fillRect/>
+          </a:stretch>
+        </p:blipFill>
+        <p:spPr>
+          <a:xfrm>
+            <a:off x="4301816" y="3860354"/>
+            <a:ext cx="6832568" cy="1292648"/>
+          </a:xfrm>
+          <a:prstGeom prst="rect">
+            <a:avLst/>
+          </a:prstGeom>
+        </p:spPr>
+      </p:pic>
     </p:spTree>
     <p:extLst>
       <p:ext uri="{BB962C8B-B14F-4D97-AF65-F5344CB8AC3E}">
-        <p14:creationId xmlns:p14="http://schemas.microsoft.com/office/powerpoint/2010/main" val="1741864019"/>
+        <p14:creationId xmlns:p14="http://schemas.microsoft.com/office/powerpoint/2010/main" val="188991140"/>
       </p:ext>
     </p:extLst>
   </p:cSld>
@@ -5728,6 +5887,146 @@
           <p:cNvPr id="2" name="Title 1">
             <a:extLst>
               <a:ext uri="{FF2B5EF4-FFF2-40B4-BE49-F238E27FC236}">
+                <a16:creationId xmlns:a16="http://schemas.microsoft.com/office/drawing/2014/main" id="{A4B54690-A6C7-46B0-8B06-ADAE2B218036}"/>
+              </a:ext>
+            </a:extLst>
+          </p:cNvPr>
+          <p:cNvSpPr>
+            <a:spLocks noGrp="1"/>
+          </p:cNvSpPr>
+          <p:nvPr>
+            <p:ph type="title"/>
+          </p:nvPr>
+        </p:nvSpPr>
+        <p:spPr>
+          <a:xfrm>
+            <a:off x="1261872" y="0"/>
+            <a:ext cx="10041668" cy="1325562"/>
+          </a:xfrm>
+        </p:spPr>
+        <p:txBody>
+          <a:bodyPr/>
+          <a:lstStyle/>
+          <a:p>
+            <a:r>
+              <a:rPr lang="en-US" dirty="0"/>
+              <a:t>Agenda</a:t>
+            </a:r>
+          </a:p>
+        </p:txBody>
+      </p:sp>
+      <p:sp>
+        <p:nvSpPr>
+          <p:cNvPr id="3" name="Content Placeholder 2">
+            <a:extLst>
+              <a:ext uri="{FF2B5EF4-FFF2-40B4-BE49-F238E27FC236}">
+                <a16:creationId xmlns:a16="http://schemas.microsoft.com/office/drawing/2014/main" id="{BB6D4177-D8AA-4925-AEBB-10133200C7D9}"/>
+              </a:ext>
+            </a:extLst>
+          </p:cNvPr>
+          <p:cNvSpPr>
+            <a:spLocks noGrp="1"/>
+          </p:cNvSpPr>
+          <p:nvPr>
+            <p:ph idx="1"/>
+          </p:nvPr>
+        </p:nvSpPr>
+        <p:spPr>
+          <a:xfrm>
+            <a:off x="1261872" y="1325562"/>
+            <a:ext cx="8851392" cy="5532438"/>
+          </a:xfrm>
+        </p:spPr>
+        <p:txBody>
+          <a:bodyPr anchor="ctr">
+            <a:normAutofit/>
+          </a:bodyPr>
+          <a:lstStyle/>
+          <a:p>
+            <a:r>
+              <a:rPr lang="en-US" sz="2800" dirty="0"/>
+              <a:t>What is </a:t>
+            </a:r>
+            <a:r>
+              <a:rPr lang="en-US" sz="2800" dirty="0" err="1"/>
+              <a:t>PySpark</a:t>
+            </a:r>
+            <a:r>
+              <a:rPr lang="en-US" sz="2800" dirty="0"/>
+              <a:t>?</a:t>
+            </a:r>
+          </a:p>
+          <a:p>
+            <a:endParaRPr lang="en-US" sz="2800" dirty="0"/>
+          </a:p>
+          <a:p>
+            <a:r>
+              <a:rPr lang="en-US" sz="2800" dirty="0"/>
+              <a:t>Show me </a:t>
+            </a:r>
+            <a:r>
+              <a:rPr lang="en-US" sz="2800" dirty="0" err="1"/>
+              <a:t>PySpark</a:t>
+            </a:r>
+            <a:r>
+              <a:rPr lang="en-US" sz="2800" dirty="0"/>
+              <a:t>!</a:t>
+            </a:r>
+          </a:p>
+          <a:p>
+            <a:endParaRPr lang="en-US" sz="2800" dirty="0"/>
+          </a:p>
+          <a:p>
+            <a:r>
+              <a:rPr lang="en-US" sz="2800" dirty="0"/>
+              <a:t>Let’s go use </a:t>
+            </a:r>
+            <a:r>
+              <a:rPr lang="en-US" sz="2800" dirty="0" err="1"/>
+              <a:t>PySpark</a:t>
+            </a:r>
+            <a:r>
+              <a:rPr lang="en-US" sz="2800" dirty="0"/>
+              <a:t>!!!</a:t>
+            </a:r>
+          </a:p>
+        </p:txBody>
+      </p:sp>
+    </p:spTree>
+    <p:extLst>
+      <p:ext uri="{BB962C8B-B14F-4D97-AF65-F5344CB8AC3E}">
+        <p14:creationId xmlns:p14="http://schemas.microsoft.com/office/powerpoint/2010/main" val="1741864019"/>
+      </p:ext>
+    </p:extLst>
+  </p:cSld>
+  <p:clrMapOvr>
+    <a:masterClrMapping/>
+  </p:clrMapOvr>
+</p:sld>
+</file>
+
+<file path=ppt/slides/slide6.xml><?xml version="1.0" encoding="utf-8"?>
+<p:sld xmlns:a="http://schemas.openxmlformats.org/drawingml/2006/main" xmlns:r="http://schemas.openxmlformats.org/officeDocument/2006/relationships" xmlns:p="http://schemas.openxmlformats.org/presentationml/2006/main">
+  <p:cSld>
+    <p:spTree>
+      <p:nvGrpSpPr>
+        <p:cNvPr id="1" name=""/>
+        <p:cNvGrpSpPr/>
+        <p:nvPr/>
+      </p:nvGrpSpPr>
+      <p:grpSpPr>
+        <a:xfrm>
+          <a:off x="0" y="0"/>
+          <a:ext cx="0" cy="0"/>
+          <a:chOff x="0" y="0"/>
+          <a:chExt cx="0" cy="0"/>
+        </a:xfrm>
+      </p:grpSpPr>
+      <p:sp>
+        <p:nvSpPr>
+          <p:cNvPr id="2" name="Title 1">
+            <a:extLst>
+              <a:ext uri="{FF2B5EF4-FFF2-40B4-BE49-F238E27FC236}">
                 <a16:creationId xmlns:a16="http://schemas.microsoft.com/office/drawing/2014/main" id="{A428F008-211E-4D51-BEF9-9441EC71C9CF}"/>
               </a:ext>
             </a:extLst>
@@ -5805,7 +6104,7 @@
 </p:sld>
 </file>
 
-<file path=ppt/slides/slide6.xml><?xml version="1.0" encoding="utf-8"?>
+<file path=ppt/slides/slide7.xml><?xml version="1.0" encoding="utf-8"?>
 <p:sld xmlns:a="http://schemas.openxmlformats.org/drawingml/2006/main" xmlns:r="http://schemas.openxmlformats.org/officeDocument/2006/relationships" xmlns:p="http://schemas.openxmlformats.org/presentationml/2006/main">
   <p:cSld>
     <p:spTree>
@@ -6249,7 +6548,7 @@
 </p:sld>
 </file>
 
-<file path=ppt/slides/slide7.xml><?xml version="1.0" encoding="utf-8"?>
+<file path=ppt/slides/slide8.xml><?xml version="1.0" encoding="utf-8"?>
 <p:sld xmlns:a="http://schemas.openxmlformats.org/drawingml/2006/main" xmlns:r="http://schemas.openxmlformats.org/officeDocument/2006/relationships" xmlns:p="http://schemas.openxmlformats.org/presentationml/2006/main">
   <p:cSld>
     <p:spTree>
@@ -6348,7 +6647,7 @@
 </p:sld>
 </file>
 
-<file path=ppt/slides/slide8.xml><?xml version="1.0" encoding="utf-8"?>
+<file path=ppt/slides/slide9.xml><?xml version="1.0" encoding="utf-8"?>
 <p:sld xmlns:a="http://schemas.openxmlformats.org/drawingml/2006/main" xmlns:r="http://schemas.openxmlformats.org/officeDocument/2006/relationships" xmlns:p="http://schemas.openxmlformats.org/presentationml/2006/main">
   <p:cSld>
     <p:spTree>
